--- a/빅데이터프로젝트계획서.pptx
+++ b/빅데이터프로젝트계획서.pptx
@@ -224,7 +224,7 @@
           <a:p>
             <a:fld id="{AA329D95-E9E3-4552-957F-C7B8CD71DED8}" type="datetimeFigureOut">
               <a:rPr lang="ko-KR" altLang="en-US" smtClean="0"/>
-              <a:t>2024-07-30</a:t>
+              <a:t>2024-08-05</a:t>
             </a:fld>
             <a:endParaRPr lang="ko-KR" altLang="en-US"/>
           </a:p>
@@ -402,7 +402,7 @@
           <a:p>
             <a:fld id="{A90F0C81-324A-46ED-B73B-81B80D72A858}" type="datetimeFigureOut">
               <a:rPr lang="ko-KR" altLang="en-US" smtClean="0"/>
-              <a:t>2024-07-30</a:t>
+              <a:t>2024-08-05</a:t>
             </a:fld>
             <a:endParaRPr lang="ko-KR" altLang="en-US"/>
           </a:p>
@@ -817,7 +817,7 @@
           <a:p>
             <a:fld id="{A3A35539-0D9D-4F39-A215-82A46FF80F52}" type="datetimeFigureOut">
               <a:rPr lang="ko-KR" altLang="en-US" smtClean="0"/>
-              <a:t>2024-07-30</a:t>
+              <a:t>2024-08-05</a:t>
             </a:fld>
             <a:endParaRPr lang="ko-KR" altLang="en-US"/>
           </a:p>
@@ -1015,7 +1015,7 @@
           <a:p>
             <a:fld id="{A3A35539-0D9D-4F39-A215-82A46FF80F52}" type="datetimeFigureOut">
               <a:rPr lang="ko-KR" altLang="en-US" smtClean="0"/>
-              <a:t>2024-07-30</a:t>
+              <a:t>2024-08-05</a:t>
             </a:fld>
             <a:endParaRPr lang="ko-KR" altLang="en-US"/>
           </a:p>
@@ -1290,7 +1290,7 @@
           <a:p>
             <a:fld id="{A3A35539-0D9D-4F39-A215-82A46FF80F52}" type="datetimeFigureOut">
               <a:rPr lang="ko-KR" altLang="en-US" smtClean="0"/>
-              <a:t>2024-07-30</a:t>
+              <a:t>2024-08-05</a:t>
             </a:fld>
             <a:endParaRPr lang="ko-KR" altLang="en-US"/>
           </a:p>
@@ -1431,7 +1431,7 @@
           <a:p>
             <a:fld id="{A3A35539-0D9D-4F39-A215-82A46FF80F52}" type="datetimeFigureOut">
               <a:rPr lang="ko-KR" altLang="en-US" smtClean="0"/>
-              <a:t>2024-07-30</a:t>
+              <a:t>2024-08-05</a:t>
             </a:fld>
             <a:endParaRPr lang="ko-KR" altLang="en-US"/>
           </a:p>
@@ -2543,7 +2543,7 @@
           <a:p>
             <a:fld id="{A3A35539-0D9D-4F39-A215-82A46FF80F52}" type="datetimeFigureOut">
               <a:rPr lang="ko-KR" altLang="en-US" smtClean="0"/>
-              <a:t>2024-07-30</a:t>
+              <a:t>2024-08-05</a:t>
             </a:fld>
             <a:endParaRPr lang="ko-KR" altLang="en-US"/>
           </a:p>
@@ -5595,8 +5595,25 @@
             </a:r>
             <a:r>
               <a:rPr lang="en-US" altLang="ko-KR" dirty="0"/>
-              <a:t>:</a:t>
+              <a:t>: </a:t>
             </a:r>
+            <a:r>
+              <a:rPr lang="ko-KR" altLang="en-US" dirty="0"/>
+              <a:t>공공 </a:t>
+            </a:r>
+            <a:r>
+              <a:rPr lang="ko-KR" altLang="en-US" dirty="0" err="1"/>
+              <a:t>데이터포털</a:t>
+            </a:r>
+            <a:r>
+              <a:rPr lang="en-US" altLang="ko-KR" dirty="0"/>
+              <a:t>, </a:t>
+            </a:r>
+            <a:r>
+              <a:rPr lang="ko-KR" altLang="en-US" dirty="0"/>
+              <a:t>국가교통 데이터 오픈마켓</a:t>
+            </a:r>
+            <a:endParaRPr lang="en-US" altLang="ko-KR" dirty="0"/>
           </a:p>
           <a:p>
             <a:r>
@@ -5605,8 +5622,21 @@
             </a:r>
             <a:r>
               <a:rPr lang="en-US" altLang="ko-KR" dirty="0"/>
-              <a:t>:</a:t>
+              <a:t>: “</a:t>
             </a:r>
+            <a:r>
+              <a:rPr lang="ko-KR" altLang="en-US" dirty="0"/>
+              <a:t>자전거를 이용한 부산 여행</a:t>
+            </a:r>
+            <a:r>
+              <a:rPr lang="en-US" altLang="ko-KR" dirty="0"/>
+              <a:t>”</a:t>
+            </a:r>
+            <a:r>
+              <a:rPr lang="ko-KR" altLang="en-US" dirty="0"/>
+              <a:t> 정보 제공 서비스</a:t>
+            </a:r>
+            <a:endParaRPr lang="en-US" altLang="ko-KR" dirty="0"/>
           </a:p>
           <a:p>
             <a:r>
@@ -5619,7 +5649,15 @@
             <a:pPr lvl="1"/>
             <a:r>
               <a:rPr lang="ko-KR" altLang="en-US" dirty="0"/>
-              <a:t>컨텐츠</a:t>
+              <a:t>자전거 대여소</a:t>
+            </a:r>
+            <a:r>
+              <a:rPr lang="en-US" altLang="ko-KR" dirty="0"/>
+              <a:t>, </a:t>
+            </a:r>
+            <a:r>
+              <a:rPr lang="ko-KR" altLang="en-US" dirty="0"/>
+              <a:t>자전거 도로 제공</a:t>
             </a:r>
             <a:endParaRPr lang="en-US" altLang="ko-KR" dirty="0"/>
           </a:p>
@@ -5627,7 +5665,15 @@
             <a:pPr lvl="1"/>
             <a:r>
               <a:rPr lang="ko-KR" altLang="en-US" dirty="0"/>
-              <a:t>컨텐츠</a:t>
+              <a:t>자전거로 접근 가능한 부산 명소 정보 제공</a:t>
+            </a:r>
+            <a:endParaRPr lang="en-US" altLang="ko-KR" dirty="0"/>
+          </a:p>
+          <a:p>
+            <a:pPr lvl="1"/>
+            <a:r>
+              <a:rPr lang="ko-KR" altLang="en-US" dirty="0"/>
+              <a:t>부산명소 별 추천 및 댓글 기능</a:t>
             </a:r>
           </a:p>
         </p:txBody>
@@ -5734,16 +5780,12 @@
           <a:p>
             <a:r>
               <a:rPr lang="ko-KR" altLang="en-US" dirty="0"/>
-              <a:t>도표</a:t>
+              <a:t>명소 검색</a:t>
             </a:r>
-            <a:r>
-              <a:rPr lang="en-US" altLang="ko-KR" dirty="0"/>
-              <a:t>/</a:t>
-            </a:r>
-            <a:r>
-              <a:rPr lang="ko-KR" altLang="en-US" dirty="0"/>
-              <a:t>그래프</a:t>
-            </a:r>
+            <a:endParaRPr lang="en-US" altLang="ko-KR" dirty="0"/>
+          </a:p>
+          <a:p>
+            <a:endParaRPr lang="ko-KR" altLang="en-US" dirty="0"/>
           </a:p>
         </p:txBody>
       </p:sp>
@@ -5828,11 +5870,319 @@
           <a:p>
             <a:r>
               <a:rPr lang="ko-KR" altLang="en-US" dirty="0"/>
-              <a:t>그림 및 설명</a:t>
+              <a:t>지도에 여행 명소</a:t>
+            </a:r>
+            <a:r>
+              <a:rPr lang="en-US" altLang="ko-KR" dirty="0"/>
+              <a:t>, </a:t>
+            </a:r>
+            <a:r>
+              <a:rPr lang="ko-KR" altLang="en-US" dirty="0"/>
+              <a:t>자전거 대여소</a:t>
+            </a:r>
+            <a:r>
+              <a:rPr lang="en-US" altLang="ko-KR" dirty="0"/>
+              <a:t>, </a:t>
+            </a:r>
+            <a:r>
+              <a:rPr lang="ko-KR" altLang="en-US" dirty="0" err="1"/>
+              <a:t>도로별</a:t>
+            </a:r>
+            <a:r>
+              <a:rPr lang="ko-KR" altLang="en-US" dirty="0"/>
+              <a:t> 자전거 통행 가능여부</a:t>
+            </a:r>
+            <a:r>
+              <a:rPr lang="en-US" altLang="ko-KR" dirty="0"/>
+              <a:t>(</a:t>
+            </a:r>
+            <a:r>
+              <a:rPr lang="ko-KR" altLang="en-US" dirty="0"/>
+              <a:t>단계별로 색깔을 다르게</a:t>
+            </a:r>
+            <a:r>
+              <a:rPr lang="en-US" altLang="ko-KR" dirty="0"/>
+              <a:t>) </a:t>
+            </a:r>
+            <a:r>
+              <a:rPr lang="ko-KR" altLang="en-US" dirty="0"/>
+              <a:t>표현</a:t>
             </a:r>
           </a:p>
         </p:txBody>
       </p:sp>
+      <p:pic>
+        <p:nvPicPr>
+          <p:cNvPr id="1026" name="Picture 2" descr="길찾기-자동차] 카카오내비를 설치해야만 길안내가 가능한가요? | kakao 고객센터">
+            <a:extLst>
+              <a:ext uri="{FF2B5EF4-FFF2-40B4-BE49-F238E27FC236}">
+                <a16:creationId xmlns:a16="http://schemas.microsoft.com/office/drawing/2014/main" id="{76EFAEB2-6D24-4C29-8C99-97BA68990493}"/>
+              </a:ext>
+            </a:extLst>
+          </p:cNvPr>
+          <p:cNvPicPr>
+            <a:picLocks noChangeAspect="1" noChangeArrowheads="1"/>
+          </p:cNvPicPr>
+          <p:nvPr/>
+        </p:nvPicPr>
+        <p:blipFill rotWithShape="1">
+          <a:blip r:embed="rId2">
+            <a:extLst>
+              <a:ext uri="{28A0092B-C50C-407E-A947-70E740481C1C}">
+                <a14:useLocalDpi xmlns:a14="http://schemas.microsoft.com/office/drawing/2010/main" val="0"/>
+              </a:ext>
+            </a:extLst>
+          </a:blip>
+          <a:srcRect l="13023" t="39756" r="12178" b="35168"/>
+          <a:stretch/>
+        </p:blipFill>
+        <p:spPr bwMode="auto">
+          <a:xfrm>
+            <a:off x="3808601" y="2769230"/>
+            <a:ext cx="5394121" cy="3542670"/>
+          </a:xfrm>
+          <a:prstGeom prst="rect">
+            <a:avLst/>
+          </a:prstGeom>
+          <a:noFill/>
+          <a:extLst>
+            <a:ext uri="{909E8E84-426E-40DD-AFC4-6F175D3DCCD1}">
+              <a14:hiddenFill xmlns:a14="http://schemas.microsoft.com/office/drawing/2010/main">
+                <a:solidFill>
+                  <a:srgbClr val="FFFFFF"/>
+                </a:solidFill>
+              </a14:hiddenFill>
+            </a:ext>
+          </a:extLst>
+        </p:spPr>
+      </p:pic>
+      <p:pic>
+        <p:nvPicPr>
+          <p:cNvPr id="1028" name="Picture 4" descr="컴퓨터 아이콘 맵 핀,지도, 플래그, 핀, 지도 png | PNGWing">
+            <a:extLst>
+              <a:ext uri="{FF2B5EF4-FFF2-40B4-BE49-F238E27FC236}">
+                <a16:creationId xmlns:a16="http://schemas.microsoft.com/office/drawing/2014/main" id="{E1D08797-BA3B-461B-8D28-A714ED25C58C}"/>
+              </a:ext>
+            </a:extLst>
+          </p:cNvPr>
+          <p:cNvPicPr>
+            <a:picLocks noChangeAspect="1" noChangeArrowheads="1"/>
+          </p:cNvPicPr>
+          <p:nvPr/>
+        </p:nvPicPr>
+        <p:blipFill>
+          <a:blip r:embed="rId3">
+            <a:extLst>
+              <a:ext uri="{BEBA8EAE-BF5A-486C-A8C5-ECC9F3942E4B}">
+                <a14:imgProps xmlns:a14="http://schemas.microsoft.com/office/drawing/2010/main">
+                  <a14:imgLayer r:embed="rId4">
+                    <a14:imgEffect>
+                      <a14:backgroundRemoval t="8804" b="90761" l="10000" r="90000">
+                        <a14:foregroundMark x1="46413" y1="90761" x2="46413" y2="90761"/>
+                        <a14:foregroundMark x1="46739" y1="8804" x2="46739" y2="8804"/>
+                      </a14:backgroundRemoval>
+                    </a14:imgEffect>
+                  </a14:imgLayer>
+                </a14:imgProps>
+              </a:ext>
+              <a:ext uri="{28A0092B-C50C-407E-A947-70E740481C1C}">
+                <a14:useLocalDpi xmlns:a14="http://schemas.microsoft.com/office/drawing/2010/main" val="0"/>
+              </a:ext>
+            </a:extLst>
+          </a:blip>
+          <a:srcRect/>
+          <a:stretch>
+            <a:fillRect/>
+          </a:stretch>
+        </p:blipFill>
+        <p:spPr bwMode="auto">
+          <a:xfrm>
+            <a:off x="5770927" y="3581145"/>
+            <a:ext cx="420149" cy="420149"/>
+          </a:xfrm>
+          <a:prstGeom prst="rect">
+            <a:avLst/>
+          </a:prstGeom>
+          <a:noFill/>
+          <a:extLst>
+            <a:ext uri="{909E8E84-426E-40DD-AFC4-6F175D3DCCD1}">
+              <a14:hiddenFill xmlns:a14="http://schemas.microsoft.com/office/drawing/2010/main">
+                <a:solidFill>
+                  <a:srgbClr val="FFFFFF"/>
+                </a:solidFill>
+              </a14:hiddenFill>
+            </a:ext>
+          </a:extLst>
+        </p:spPr>
+      </p:pic>
+      <p:pic>
+        <p:nvPicPr>
+          <p:cNvPr id="7" name="Picture 4" descr="컴퓨터 아이콘 맵 핀,지도, 플래그, 핀, 지도 png | PNGWing">
+            <a:extLst>
+              <a:ext uri="{FF2B5EF4-FFF2-40B4-BE49-F238E27FC236}">
+                <a16:creationId xmlns:a16="http://schemas.microsoft.com/office/drawing/2014/main" id="{2670D3D6-D124-4BEE-99D1-9968290CB430}"/>
+              </a:ext>
+            </a:extLst>
+          </p:cNvPr>
+          <p:cNvPicPr>
+            <a:picLocks noChangeAspect="1" noChangeArrowheads="1"/>
+          </p:cNvPicPr>
+          <p:nvPr/>
+        </p:nvPicPr>
+        <p:blipFill>
+          <a:blip r:embed="rId3">
+            <a:extLst>
+              <a:ext uri="{BEBA8EAE-BF5A-486C-A8C5-ECC9F3942E4B}">
+                <a14:imgProps xmlns:a14="http://schemas.microsoft.com/office/drawing/2010/main">
+                  <a14:imgLayer r:embed="rId4">
+                    <a14:imgEffect>
+                      <a14:backgroundRemoval t="8804" b="90761" l="10000" r="90000">
+                        <a14:foregroundMark x1="46413" y1="90761" x2="46413" y2="90761"/>
+                        <a14:foregroundMark x1="46739" y1="8804" x2="46739" y2="8804"/>
+                      </a14:backgroundRemoval>
+                    </a14:imgEffect>
+                  </a14:imgLayer>
+                </a14:imgProps>
+              </a:ext>
+              <a:ext uri="{28A0092B-C50C-407E-A947-70E740481C1C}">
+                <a14:useLocalDpi xmlns:a14="http://schemas.microsoft.com/office/drawing/2010/main" val="0"/>
+              </a:ext>
+            </a:extLst>
+          </a:blip>
+          <a:srcRect/>
+          <a:stretch>
+            <a:fillRect/>
+          </a:stretch>
+        </p:blipFill>
+        <p:spPr bwMode="auto">
+          <a:xfrm>
+            <a:off x="4084740" y="5275721"/>
+            <a:ext cx="420149" cy="420149"/>
+          </a:xfrm>
+          <a:prstGeom prst="rect">
+            <a:avLst/>
+          </a:prstGeom>
+          <a:noFill/>
+          <a:extLst>
+            <a:ext uri="{909E8E84-426E-40DD-AFC4-6F175D3DCCD1}">
+              <a14:hiddenFill xmlns:a14="http://schemas.microsoft.com/office/drawing/2010/main">
+                <a:solidFill>
+                  <a:srgbClr val="FFFFFF"/>
+                </a:solidFill>
+              </a14:hiddenFill>
+            </a:ext>
+          </a:extLst>
+        </p:spPr>
+      </p:pic>
+      <p:pic>
+        <p:nvPicPr>
+          <p:cNvPr id="8" name="Picture 4" descr="컴퓨터 아이콘 맵 핀,지도, 플래그, 핀, 지도 png | PNGWing">
+            <a:extLst>
+              <a:ext uri="{FF2B5EF4-FFF2-40B4-BE49-F238E27FC236}">
+                <a16:creationId xmlns:a16="http://schemas.microsoft.com/office/drawing/2014/main" id="{40A360DA-1989-4D88-BF72-D707F59E9EC0}"/>
+              </a:ext>
+            </a:extLst>
+          </p:cNvPr>
+          <p:cNvPicPr>
+            <a:picLocks noChangeAspect="1" noChangeArrowheads="1"/>
+          </p:cNvPicPr>
+          <p:nvPr/>
+        </p:nvPicPr>
+        <p:blipFill>
+          <a:blip r:embed="rId3">
+            <a:extLst>
+              <a:ext uri="{BEBA8EAE-BF5A-486C-A8C5-ECC9F3942E4B}">
+                <a14:imgProps xmlns:a14="http://schemas.microsoft.com/office/drawing/2010/main">
+                  <a14:imgLayer r:embed="rId4">
+                    <a14:imgEffect>
+                      <a14:backgroundRemoval t="8804" b="90761" l="10000" r="90000">
+                        <a14:foregroundMark x1="46413" y1="90761" x2="46413" y2="90761"/>
+                        <a14:foregroundMark x1="46739" y1="8804" x2="46739" y2="8804"/>
+                      </a14:backgroundRemoval>
+                    </a14:imgEffect>
+                  </a14:imgLayer>
+                </a14:imgProps>
+              </a:ext>
+              <a:ext uri="{28A0092B-C50C-407E-A947-70E740481C1C}">
+                <a14:useLocalDpi xmlns:a14="http://schemas.microsoft.com/office/drawing/2010/main" val="0"/>
+              </a:ext>
+            </a:extLst>
+          </a:blip>
+          <a:srcRect/>
+          <a:stretch>
+            <a:fillRect/>
+          </a:stretch>
+        </p:blipFill>
+        <p:spPr bwMode="auto">
+          <a:xfrm>
+            <a:off x="7398392" y="4094644"/>
+            <a:ext cx="420149" cy="420149"/>
+          </a:xfrm>
+          <a:prstGeom prst="rect">
+            <a:avLst/>
+          </a:prstGeom>
+          <a:noFill/>
+          <a:extLst>
+            <a:ext uri="{909E8E84-426E-40DD-AFC4-6F175D3DCCD1}">
+              <a14:hiddenFill xmlns:a14="http://schemas.microsoft.com/office/drawing/2010/main">
+                <a:solidFill>
+                  <a:srgbClr val="FFFFFF"/>
+                </a:solidFill>
+              </a14:hiddenFill>
+            </a:ext>
+          </a:extLst>
+        </p:spPr>
+      </p:pic>
+      <p:pic>
+        <p:nvPicPr>
+          <p:cNvPr id="1030" name="Picture 6" descr="테마에서 제공되는 각 게시판별 특이사항 안내 &gt; 테마소개 | 페이지디 홈페이지 템플릿 테마">
+            <a:extLst>
+              <a:ext uri="{FF2B5EF4-FFF2-40B4-BE49-F238E27FC236}">
+                <a16:creationId xmlns:a16="http://schemas.microsoft.com/office/drawing/2014/main" id="{0062784B-78FC-4B71-B059-E35C503BCF0B}"/>
+              </a:ext>
+            </a:extLst>
+          </p:cNvPr>
+          <p:cNvPicPr>
+            <a:picLocks noChangeAspect="1" noChangeArrowheads="1"/>
+          </p:cNvPicPr>
+          <p:nvPr/>
+        </p:nvPicPr>
+        <p:blipFill rotWithShape="1">
+          <a:blip r:embed="rId5">
+            <a:extLst>
+              <a:ext uri="{28A0092B-C50C-407E-A947-70E740481C1C}">
+                <a14:useLocalDpi xmlns:a14="http://schemas.microsoft.com/office/drawing/2010/main" val="0"/>
+              </a:ext>
+            </a:extLst>
+          </a:blip>
+          <a:srcRect l="78922" t="3912" r="1949" b="51986"/>
+          <a:stretch/>
+        </p:blipFill>
+        <p:spPr bwMode="auto">
+          <a:xfrm>
+            <a:off x="6308522" y="2824907"/>
+            <a:ext cx="2209807" cy="2233654"/>
+          </a:xfrm>
+          <a:prstGeom prst="rect">
+            <a:avLst/>
+          </a:prstGeom>
+          <a:noFill/>
+          <a:ln>
+            <a:solidFill>
+              <a:schemeClr val="tx1"/>
+            </a:solidFill>
+          </a:ln>
+          <a:extLst>
+            <a:ext uri="{909E8E84-426E-40DD-AFC4-6F175D3DCCD1}">
+              <a14:hiddenFill xmlns:a14="http://schemas.microsoft.com/office/drawing/2010/main">
+                <a:solidFill>
+                  <a:srgbClr val="FFFFFF"/>
+                </a:solidFill>
+              </a14:hiddenFill>
+            </a:ext>
+          </a:extLst>
+        </p:spPr>
+      </p:pic>
     </p:spTree>
     <p:extLst>
       <p:ext uri="{BB962C8B-B14F-4D97-AF65-F5344CB8AC3E}">
@@ -11748,7 +12098,7 @@
           <p:nvPr>
             <p:extLst>
               <p:ext uri="{D42A27DB-BD31-4B8C-83A1-F6EECF244321}">
-                <p14:modId xmlns:p14="http://schemas.microsoft.com/office/powerpoint/2010/main" val="2380254253"/>
+                <p14:modId xmlns:p14="http://schemas.microsoft.com/office/powerpoint/2010/main" val="1994794307"/>
               </p:ext>
             </p:extLst>
           </p:nvPr>
@@ -11924,7 +12274,7 @@
                       <a:pPr algn="l" latinLnBrk="1"/>
                       <a:r>
                         <a:rPr lang="en-US" altLang="ko-KR" sz="1200" dirty="0"/>
-                        <a:t>/auth/</a:t>
+                        <a:t>/</a:t>
                       </a:r>
                       <a:r>
                         <a:rPr lang="en-US" altLang="ko-KR" sz="1200" dirty="0" err="1"/>
@@ -11992,6 +12342,10 @@
                     <a:lstStyle/>
                     <a:p>
                       <a:pPr algn="ctr" latinLnBrk="1"/>
+                      <a:r>
+                        <a:rPr lang="en-US" altLang="ko-KR" sz="1200" dirty="0"/>
+                        <a:t>POST</a:t>
+                      </a:r>
                       <a:endParaRPr lang="ko-KR" altLang="en-US" sz="1200" dirty="0"/>
                     </a:p>
                   </a:txBody>
@@ -12003,6 +12357,10 @@
                     <a:lstStyle/>
                     <a:p>
                       <a:pPr algn="l" latinLnBrk="1"/>
+                      <a:r>
+                        <a:rPr lang="en-US" altLang="ko-KR" sz="1200" dirty="0"/>
+                        <a:t>/login</a:t>
+                      </a:r>
                       <a:endParaRPr lang="ko-KR" altLang="en-US" sz="1200" dirty="0"/>
                     </a:p>
                   </a:txBody>
@@ -12014,7 +12372,10 @@
                     <a:lstStyle/>
                     <a:p>
                       <a:pPr algn="ctr" latinLnBrk="1"/>
-                      <a:endParaRPr lang="ko-KR" altLang="en-US" sz="1200" dirty="0"/>
+                      <a:r>
+                        <a:rPr lang="ko-KR" altLang="en-US" sz="1200" dirty="0"/>
+                        <a:t>로그인</a:t>
+                      </a:r>
                     </a:p>
                   </a:txBody>
                   <a:tcPr anchor="ctr"/>
@@ -12025,6 +12386,10 @@
                     <a:lstStyle/>
                     <a:p>
                       <a:pPr algn="ctr" latinLnBrk="1"/>
+                      <a:r>
+                        <a:rPr lang="en-US" altLang="ko-KR" sz="1200" dirty="0"/>
+                        <a:t>Login-01</a:t>
+                      </a:r>
                       <a:endParaRPr lang="ko-KR" altLang="en-US" sz="1200" dirty="0"/>
                     </a:p>
                   </a:txBody>
@@ -12057,8 +12422,61 @@
                     <a:bodyPr/>
                     <a:lstStyle/>
                     <a:p>
+                      <a:pPr marL="0" marR="0" lvl="0" indent="0" algn="ctr" defTabSz="914400" rtl="0" eaLnBrk="1" fontAlgn="auto" latinLnBrk="1" hangingPunct="1">
+                        <a:lnSpc>
+                          <a:spcPct val="100000"/>
+                        </a:lnSpc>
+                        <a:spcBef>
+                          <a:spcPts val="0"/>
+                        </a:spcBef>
+                        <a:spcAft>
+                          <a:spcPts val="0"/>
+                        </a:spcAft>
+                        <a:buClrTx/>
+                        <a:buSzTx/>
+                        <a:buFontTx/>
+                        <a:buNone/>
+                        <a:tabLst/>
+                        <a:defRPr/>
+                      </a:pPr>
+                      <a:r>
+                        <a:rPr lang="en-US" altLang="ko-KR" sz="1200" dirty="0"/>
+                        <a:t>POST</a:t>
+                      </a:r>
+                      <a:endParaRPr lang="ko-KR" altLang="en-US" sz="1200" dirty="0"/>
+                    </a:p>
+                  </a:txBody>
+                  <a:tcPr anchor="ctr"/>
+                </a:tc>
+                <a:tc>
+                  <a:txBody>
+                    <a:bodyPr/>
+                    <a:lstStyle/>
+                    <a:p>
+                      <a:pPr algn="l" latinLnBrk="1"/>
+                      <a:r>
+                        <a:rPr lang="en-US" altLang="ko-KR" sz="1200" dirty="0"/>
+                        <a:t>/oauth2/auth/google</a:t>
+                      </a:r>
+                      <a:endParaRPr lang="ko-KR" altLang="en-US" sz="1200" dirty="0"/>
+                    </a:p>
+                  </a:txBody>
+                  <a:tcPr anchor="ctr"/>
+                </a:tc>
+                <a:tc>
+                  <a:txBody>
+                    <a:bodyPr/>
+                    <a:lstStyle/>
+                    <a:p>
                       <a:pPr algn="ctr" latinLnBrk="1"/>
-                      <a:endParaRPr lang="ko-KR" altLang="en-US" sz="1200" dirty="0"/>
+                      <a:r>
+                        <a:rPr lang="en-US" altLang="ko-KR" sz="1200" dirty="0"/>
+                        <a:t>Google </a:t>
+                      </a:r>
+                      <a:r>
+                        <a:rPr lang="ko-KR" altLang="en-US" sz="1200" dirty="0"/>
+                        <a:t>로그인</a:t>
+                      </a:r>
                     </a:p>
                   </a:txBody>
                   <a:tcPr anchor="ctr"/>
@@ -12068,29 +12486,11 @@
                     <a:bodyPr/>
                     <a:lstStyle/>
                     <a:p>
-                      <a:pPr algn="l" latinLnBrk="1"/>
-                      <a:endParaRPr lang="ko-KR" altLang="en-US" sz="1200" dirty="0"/>
-                    </a:p>
-                  </a:txBody>
-                  <a:tcPr anchor="ctr"/>
-                </a:tc>
-                <a:tc>
-                  <a:txBody>
-                    <a:bodyPr/>
-                    <a:lstStyle/>
-                    <a:p>
                       <a:pPr algn="ctr" latinLnBrk="1"/>
-                      <a:endParaRPr lang="ko-KR" altLang="en-US" sz="1200" dirty="0"/>
-                    </a:p>
-                  </a:txBody>
-                  <a:tcPr anchor="ctr"/>
-                </a:tc>
-                <a:tc>
-                  <a:txBody>
-                    <a:bodyPr/>
-                    <a:lstStyle/>
-                    <a:p>
-                      <a:pPr algn="ctr" latinLnBrk="1"/>
+                      <a:r>
+                        <a:rPr lang="en-US" altLang="ko-KR" sz="1200" dirty="0"/>
+                        <a:t>Login-02</a:t>
+                      </a:r>
                       <a:endParaRPr lang="ko-KR" altLang="en-US" sz="1200" dirty="0"/>
                     </a:p>
                   </a:txBody>
@@ -12123,8 +12523,65 @@
                     <a:bodyPr/>
                     <a:lstStyle/>
                     <a:p>
+                      <a:pPr marL="0" marR="0" lvl="0" indent="0" algn="ctr" defTabSz="914400" rtl="0" eaLnBrk="1" fontAlgn="auto" latinLnBrk="1" hangingPunct="1">
+                        <a:lnSpc>
+                          <a:spcPct val="100000"/>
+                        </a:lnSpc>
+                        <a:spcBef>
+                          <a:spcPts val="0"/>
+                        </a:spcBef>
+                        <a:spcAft>
+                          <a:spcPts val="0"/>
+                        </a:spcAft>
+                        <a:buClrTx/>
+                        <a:buSzTx/>
+                        <a:buFontTx/>
+                        <a:buNone/>
+                        <a:tabLst/>
+                        <a:defRPr/>
+                      </a:pPr>
+                      <a:r>
+                        <a:rPr lang="en-US" altLang="ko-KR" sz="1200" dirty="0"/>
+                        <a:t>POST</a:t>
+                      </a:r>
+                      <a:endParaRPr lang="ko-KR" altLang="en-US" sz="1200" dirty="0"/>
+                    </a:p>
+                  </a:txBody>
+                  <a:tcPr anchor="ctr"/>
+                </a:tc>
+                <a:tc>
+                  <a:txBody>
+                    <a:bodyPr/>
+                    <a:lstStyle/>
+                    <a:p>
+                      <a:pPr algn="l" latinLnBrk="1"/>
+                      <a:r>
+                        <a:rPr lang="en-US" altLang="ko-KR" sz="1200" dirty="0"/>
+                        <a:t>/oauth2/auth/</a:t>
+                      </a:r>
+                      <a:r>
+                        <a:rPr lang="en-US" altLang="ko-KR" sz="1200" dirty="0" err="1"/>
+                        <a:t>kakao</a:t>
+                      </a:r>
+                      <a:endParaRPr lang="ko-KR" altLang="en-US" sz="1200" dirty="0"/>
+                    </a:p>
+                  </a:txBody>
+                  <a:tcPr anchor="ctr"/>
+                </a:tc>
+                <a:tc>
+                  <a:txBody>
+                    <a:bodyPr/>
+                    <a:lstStyle/>
+                    <a:p>
                       <a:pPr algn="ctr" latinLnBrk="1"/>
-                      <a:endParaRPr lang="ko-KR" altLang="en-US" sz="1200" dirty="0"/>
+                      <a:r>
+                        <a:rPr lang="en-US" altLang="ko-KR" sz="1200" dirty="0"/>
+                        <a:t>KAKAO </a:t>
+                      </a:r>
+                      <a:r>
+                        <a:rPr lang="ko-KR" altLang="en-US" sz="1200" dirty="0"/>
+                        <a:t>로그인</a:t>
+                      </a:r>
                     </a:p>
                   </a:txBody>
                   <a:tcPr anchor="ctr"/>
@@ -12134,29 +12591,11 @@
                     <a:bodyPr/>
                     <a:lstStyle/>
                     <a:p>
-                      <a:pPr algn="l" latinLnBrk="1"/>
-                      <a:endParaRPr lang="ko-KR" altLang="en-US" sz="1200" dirty="0"/>
-                    </a:p>
-                  </a:txBody>
-                  <a:tcPr anchor="ctr"/>
-                </a:tc>
-                <a:tc>
-                  <a:txBody>
-                    <a:bodyPr/>
-                    <a:lstStyle/>
-                    <a:p>
                       <a:pPr algn="ctr" latinLnBrk="1"/>
-                      <a:endParaRPr lang="ko-KR" altLang="en-US" sz="1200" dirty="0"/>
-                    </a:p>
-                  </a:txBody>
-                  <a:tcPr anchor="ctr"/>
-                </a:tc>
-                <a:tc>
-                  <a:txBody>
-                    <a:bodyPr/>
-                    <a:lstStyle/>
-                    <a:p>
-                      <a:pPr algn="ctr" latinLnBrk="1"/>
+                      <a:r>
+                        <a:rPr lang="en-US" altLang="ko-KR" sz="1200" dirty="0"/>
+                        <a:t>Login-02</a:t>
+                      </a:r>
                       <a:endParaRPr lang="ko-KR" altLang="en-US" sz="1200" dirty="0"/>
                     </a:p>
                   </a:txBody>
@@ -12189,8 +12628,65 @@
                     <a:bodyPr/>
                     <a:lstStyle/>
                     <a:p>
+                      <a:pPr marL="0" marR="0" lvl="0" indent="0" algn="ctr" defTabSz="914400" rtl="0" eaLnBrk="1" fontAlgn="auto" latinLnBrk="1" hangingPunct="1">
+                        <a:lnSpc>
+                          <a:spcPct val="100000"/>
+                        </a:lnSpc>
+                        <a:spcBef>
+                          <a:spcPts val="0"/>
+                        </a:spcBef>
+                        <a:spcAft>
+                          <a:spcPts val="0"/>
+                        </a:spcAft>
+                        <a:buClrTx/>
+                        <a:buSzTx/>
+                        <a:buFontTx/>
+                        <a:buNone/>
+                        <a:tabLst/>
+                        <a:defRPr/>
+                      </a:pPr>
+                      <a:r>
+                        <a:rPr lang="en-US" altLang="ko-KR" sz="1200" dirty="0"/>
+                        <a:t>POST</a:t>
+                      </a:r>
+                      <a:endParaRPr lang="ko-KR" altLang="en-US" sz="1200" dirty="0"/>
+                    </a:p>
+                  </a:txBody>
+                  <a:tcPr anchor="ctr"/>
+                </a:tc>
+                <a:tc>
+                  <a:txBody>
+                    <a:bodyPr/>
+                    <a:lstStyle/>
+                    <a:p>
+                      <a:pPr algn="l" latinLnBrk="1"/>
+                      <a:r>
+                        <a:rPr lang="en-US" altLang="ko-KR" sz="1200" dirty="0"/>
+                        <a:t>/oauth2/auth/</a:t>
+                      </a:r>
+                      <a:r>
+                        <a:rPr lang="en-US" altLang="ko-KR" sz="1200" dirty="0" err="1"/>
+                        <a:t>naver</a:t>
+                      </a:r>
+                      <a:endParaRPr lang="ko-KR" altLang="en-US" sz="1200" dirty="0"/>
+                    </a:p>
+                  </a:txBody>
+                  <a:tcPr anchor="ctr"/>
+                </a:tc>
+                <a:tc>
+                  <a:txBody>
+                    <a:bodyPr/>
+                    <a:lstStyle/>
+                    <a:p>
                       <a:pPr algn="ctr" latinLnBrk="1"/>
-                      <a:endParaRPr lang="ko-KR" altLang="en-US" sz="1200" dirty="0"/>
+                      <a:r>
+                        <a:rPr lang="en-US" altLang="ko-KR" sz="1200" dirty="0"/>
+                        <a:t>NAVER </a:t>
+                      </a:r>
+                      <a:r>
+                        <a:rPr lang="ko-KR" altLang="en-US" sz="1200" dirty="0"/>
+                        <a:t>로그인</a:t>
+                      </a:r>
                     </a:p>
                   </a:txBody>
                   <a:tcPr anchor="ctr"/>
@@ -12200,29 +12696,11 @@
                     <a:bodyPr/>
                     <a:lstStyle/>
                     <a:p>
-                      <a:pPr algn="l" latinLnBrk="1"/>
-                      <a:endParaRPr lang="ko-KR" altLang="en-US" sz="1200" dirty="0"/>
-                    </a:p>
-                  </a:txBody>
-                  <a:tcPr anchor="ctr"/>
-                </a:tc>
-                <a:tc>
-                  <a:txBody>
-                    <a:bodyPr/>
-                    <a:lstStyle/>
-                    <a:p>
                       <a:pPr algn="ctr" latinLnBrk="1"/>
-                      <a:endParaRPr lang="ko-KR" altLang="en-US" sz="1200" dirty="0"/>
-                    </a:p>
-                  </a:txBody>
-                  <a:tcPr anchor="ctr"/>
-                </a:tc>
-                <a:tc>
-                  <a:txBody>
-                    <a:bodyPr/>
-                    <a:lstStyle/>
-                    <a:p>
-                      <a:pPr algn="ctr" latinLnBrk="1"/>
+                      <a:r>
+                        <a:rPr lang="en-US" altLang="ko-KR" sz="1200" dirty="0"/>
+                        <a:t>Login-02</a:t>
+                      </a:r>
                       <a:endParaRPr lang="ko-KR" altLang="en-US" sz="1200" dirty="0"/>
                     </a:p>
                   </a:txBody>
@@ -12256,6 +12734,10 @@
                     <a:lstStyle/>
                     <a:p>
                       <a:pPr algn="ctr" latinLnBrk="1"/>
+                      <a:r>
+                        <a:rPr lang="en-US" altLang="ko-KR" sz="1200" dirty="0"/>
+                        <a:t>GET</a:t>
+                      </a:r>
                       <a:endParaRPr lang="ko-KR" altLang="en-US" sz="1200" dirty="0"/>
                     </a:p>
                   </a:txBody>
@@ -12267,6 +12749,10 @@
                     <a:lstStyle/>
                     <a:p>
                       <a:pPr algn="l" latinLnBrk="1"/>
+                      <a:r>
+                        <a:rPr lang="en-US" altLang="ko-KR" sz="1200" dirty="0"/>
+                        <a:t>/</a:t>
+                      </a:r>
                       <a:endParaRPr lang="ko-KR" altLang="en-US" sz="1200" dirty="0"/>
                     </a:p>
                   </a:txBody>
@@ -12278,7 +12764,10 @@
                     <a:lstStyle/>
                     <a:p>
                       <a:pPr algn="ctr" latinLnBrk="1"/>
-                      <a:endParaRPr lang="ko-KR" altLang="en-US" sz="1200" dirty="0"/>
+                      <a:r>
+                        <a:rPr lang="ko-KR" altLang="en-US" sz="1200" dirty="0"/>
+                        <a:t>홈</a:t>
+                      </a:r>
                     </a:p>
                   </a:txBody>
                   <a:tcPr anchor="ctr"/>
@@ -12289,6 +12778,10 @@
                     <a:lstStyle/>
                     <a:p>
                       <a:pPr algn="ctr" latinLnBrk="1"/>
+                      <a:r>
+                        <a:rPr lang="en-US" altLang="ko-KR" sz="1200" dirty="0"/>
+                        <a:t>Home01</a:t>
+                      </a:r>
                       <a:endParaRPr lang="ko-KR" altLang="en-US" sz="1200" dirty="0"/>
                     </a:p>
                   </a:txBody>
@@ -12322,6 +12815,10 @@
                     <a:lstStyle/>
                     <a:p>
                       <a:pPr algn="ctr" latinLnBrk="1"/>
+                      <a:r>
+                        <a:rPr lang="en-US" altLang="ko-KR" sz="1200" dirty="0"/>
+                        <a:t>GET</a:t>
+                      </a:r>
                       <a:endParaRPr lang="ko-KR" altLang="en-US" sz="1200" dirty="0"/>
                     </a:p>
                   </a:txBody>
@@ -12333,6 +12830,10 @@
                     <a:lstStyle/>
                     <a:p>
                       <a:pPr algn="l" latinLnBrk="1"/>
+                      <a:r>
+                        <a:rPr lang="en-US" altLang="ko-KR" sz="1200" dirty="0"/>
+                        <a:t>/map</a:t>
+                      </a:r>
                       <a:endParaRPr lang="ko-KR" altLang="en-US" sz="1200" dirty="0"/>
                     </a:p>
                   </a:txBody>
@@ -12344,7 +12845,10 @@
                     <a:lstStyle/>
                     <a:p>
                       <a:pPr algn="ctr" latinLnBrk="1"/>
-                      <a:endParaRPr lang="ko-KR" altLang="en-US" sz="1200" dirty="0"/>
+                      <a:r>
+                        <a:rPr lang="ko-KR" altLang="en-US" sz="1200" dirty="0"/>
+                        <a:t>지도</a:t>
+                      </a:r>
                     </a:p>
                   </a:txBody>
                   <a:tcPr anchor="ctr"/>
@@ -12355,6 +12859,10 @@
                     <a:lstStyle/>
                     <a:p>
                       <a:pPr algn="ctr" latinLnBrk="1"/>
+                      <a:r>
+                        <a:rPr lang="en-US" altLang="ko-KR" sz="1200" dirty="0"/>
+                        <a:t>Map01</a:t>
+                      </a:r>
                       <a:endParaRPr lang="ko-KR" altLang="en-US" sz="1200" dirty="0"/>
                     </a:p>
                   </a:txBody>
@@ -12388,6 +12896,10 @@
                     <a:lstStyle/>
                     <a:p>
                       <a:pPr algn="ctr" latinLnBrk="1"/>
+                      <a:r>
+                        <a:rPr lang="en-US" altLang="ko-KR" sz="1200" dirty="0"/>
+                        <a:t>GET</a:t>
+                      </a:r>
                       <a:endParaRPr lang="ko-KR" altLang="en-US" sz="1200" dirty="0"/>
                     </a:p>
                   </a:txBody>
@@ -12399,6 +12911,10 @@
                     <a:lstStyle/>
                     <a:p>
                       <a:pPr algn="l" latinLnBrk="1"/>
+                      <a:r>
+                        <a:rPr lang="en-US" altLang="ko-KR" sz="1200" dirty="0"/>
+                        <a:t>/board</a:t>
+                      </a:r>
                       <a:endParaRPr lang="ko-KR" altLang="en-US" sz="1200" dirty="0"/>
                     </a:p>
                   </a:txBody>
@@ -12410,7 +12926,10 @@
                     <a:lstStyle/>
                     <a:p>
                       <a:pPr algn="ctr" latinLnBrk="1"/>
-                      <a:endParaRPr lang="ko-KR" altLang="en-US" sz="1200" dirty="0"/>
+                      <a:r>
+                        <a:rPr lang="ko-KR" altLang="en-US" sz="1200" dirty="0"/>
+                        <a:t>게시판</a:t>
+                      </a:r>
                     </a:p>
                   </a:txBody>
                   <a:tcPr anchor="ctr"/>
@@ -12421,6 +12940,10 @@
                     <a:lstStyle/>
                     <a:p>
                       <a:pPr algn="ctr" latinLnBrk="1"/>
+                      <a:r>
+                        <a:rPr lang="en-US" altLang="ko-KR" sz="1200" dirty="0"/>
+                        <a:t>Board01</a:t>
+                      </a:r>
                       <a:endParaRPr lang="ko-KR" altLang="en-US" sz="1200" dirty="0"/>
                     </a:p>
                   </a:txBody>
@@ -12454,6 +12977,10 @@
                     <a:lstStyle/>
                     <a:p>
                       <a:pPr algn="ctr" latinLnBrk="1"/>
+                      <a:r>
+                        <a:rPr lang="en-US" altLang="ko-KR" sz="1200" dirty="0"/>
+                        <a:t>GET</a:t>
+                      </a:r>
                       <a:endParaRPr lang="ko-KR" altLang="en-US" sz="1200" dirty="0"/>
                     </a:p>
                   </a:txBody>
@@ -12465,6 +12992,10 @@
                     <a:lstStyle/>
                     <a:p>
                       <a:pPr algn="l" latinLnBrk="1"/>
+                      <a:r>
+                        <a:rPr lang="en-US" altLang="ko-KR" sz="1200" dirty="0"/>
+                        <a:t>/info/{id}</a:t>
+                      </a:r>
                       <a:endParaRPr lang="ko-KR" altLang="en-US" sz="1200" dirty="0"/>
                     </a:p>
                   </a:txBody>
@@ -12476,7 +13007,10 @@
                     <a:lstStyle/>
                     <a:p>
                       <a:pPr algn="ctr" latinLnBrk="1"/>
-                      <a:endParaRPr lang="ko-KR" altLang="en-US" sz="1200" dirty="0"/>
+                      <a:r>
+                        <a:rPr lang="ko-KR" altLang="en-US" sz="1200" dirty="0"/>
+                        <a:t>명소 목록 중 사용자가 선택한 상세 정보 화면</a:t>
+                      </a:r>
                     </a:p>
                   </a:txBody>
                   <a:tcPr anchor="ctr"/>
@@ -12505,10 +13039,6 @@
                     <a:lstStyle/>
                     <a:p>
                       <a:pPr algn="ctr" latinLnBrk="1"/>
-                      <a:r>
-                        <a:rPr lang="en-US" altLang="ko-KR" sz="1200" dirty="0"/>
-                        <a:t>10</a:t>
-                      </a:r>
                       <a:endParaRPr lang="ko-KR" altLang="en-US" sz="1200" dirty="0"/>
                     </a:p>
                   </a:txBody>

--- a/빅데이터프로젝트계획서.pptx
+++ b/빅데이터프로젝트계획서.pptx
@@ -224,7 +224,7 @@
           <a:p>
             <a:fld id="{AA329D95-E9E3-4552-957F-C7B8CD71DED8}" type="datetimeFigureOut">
               <a:rPr lang="ko-KR" altLang="en-US" smtClean="0"/>
-              <a:t>2024-07-30</a:t>
+              <a:t>2024-08-05</a:t>
             </a:fld>
             <a:endParaRPr lang="ko-KR" altLang="en-US"/>
           </a:p>
@@ -402,7 +402,7 @@
           <a:p>
             <a:fld id="{A90F0C81-324A-46ED-B73B-81B80D72A858}" type="datetimeFigureOut">
               <a:rPr lang="ko-KR" altLang="en-US" smtClean="0"/>
-              <a:t>2024-07-30</a:t>
+              <a:t>2024-08-05</a:t>
             </a:fld>
             <a:endParaRPr lang="ko-KR" altLang="en-US"/>
           </a:p>
@@ -817,7 +817,7 @@
           <a:p>
             <a:fld id="{A3A35539-0D9D-4F39-A215-82A46FF80F52}" type="datetimeFigureOut">
               <a:rPr lang="ko-KR" altLang="en-US" smtClean="0"/>
-              <a:t>2024-07-30</a:t>
+              <a:t>2024-08-05</a:t>
             </a:fld>
             <a:endParaRPr lang="ko-KR" altLang="en-US"/>
           </a:p>
@@ -1015,7 +1015,7 @@
           <a:p>
             <a:fld id="{A3A35539-0D9D-4F39-A215-82A46FF80F52}" type="datetimeFigureOut">
               <a:rPr lang="ko-KR" altLang="en-US" smtClean="0"/>
-              <a:t>2024-07-30</a:t>
+              <a:t>2024-08-05</a:t>
             </a:fld>
             <a:endParaRPr lang="ko-KR" altLang="en-US"/>
           </a:p>
@@ -1290,7 +1290,7 @@
           <a:p>
             <a:fld id="{A3A35539-0D9D-4F39-A215-82A46FF80F52}" type="datetimeFigureOut">
               <a:rPr lang="ko-KR" altLang="en-US" smtClean="0"/>
-              <a:t>2024-07-30</a:t>
+              <a:t>2024-08-05</a:t>
             </a:fld>
             <a:endParaRPr lang="ko-KR" altLang="en-US"/>
           </a:p>
@@ -1431,7 +1431,7 @@
           <a:p>
             <a:fld id="{A3A35539-0D9D-4F39-A215-82A46FF80F52}" type="datetimeFigureOut">
               <a:rPr lang="ko-KR" altLang="en-US" smtClean="0"/>
-              <a:t>2024-07-30</a:t>
+              <a:t>2024-08-05</a:t>
             </a:fld>
             <a:endParaRPr lang="ko-KR" altLang="en-US"/>
           </a:p>
@@ -2543,7 +2543,7 @@
           <a:p>
             <a:fld id="{A3A35539-0D9D-4F39-A215-82A46FF80F52}" type="datetimeFigureOut">
               <a:rPr lang="ko-KR" altLang="en-US" smtClean="0"/>
-              <a:t>2024-07-30</a:t>
+              <a:t>2024-08-05</a:t>
             </a:fld>
             <a:endParaRPr lang="ko-KR" altLang="en-US"/>
           </a:p>
@@ -5678,9 +5678,16 @@
             <p:ph type="title"/>
           </p:nvPr>
         </p:nvSpPr>
-        <p:spPr/>
+        <p:spPr>
+          <a:xfrm>
+            <a:off x="838200" y="365126"/>
+            <a:ext cx="10515600" cy="683498"/>
+          </a:xfrm>
+        </p:spPr>
         <p:txBody>
-          <a:bodyPr/>
+          <a:bodyPr>
+            <a:normAutofit fontScale="90000"/>
+          </a:bodyPr>
           <a:lstStyle/>
           <a:p>
             <a:r>
@@ -5706,44 +5713,190 @@
             <p:ph idx="1"/>
           </p:nvPr>
         </p:nvSpPr>
-        <p:spPr/>
+        <p:spPr>
+          <a:xfrm>
+            <a:off x="444617" y="1048624"/>
+            <a:ext cx="11132190" cy="5128339"/>
+          </a:xfrm>
+        </p:spPr>
         <p:txBody>
-          <a:bodyPr/>
+          <a:bodyPr>
+            <a:normAutofit/>
+          </a:bodyPr>
           <a:lstStyle/>
           <a:p>
-            <a:r>
-              <a:rPr lang="ko-KR" altLang="en-US" dirty="0"/>
-              <a:t>로그인</a:t>
-            </a:r>
-            <a:endParaRPr lang="en-US" altLang="ko-KR" dirty="0"/>
+            <a:endParaRPr lang="en-US" altLang="ko-KR" sz="2000" dirty="0"/>
           </a:p>
           <a:p>
             <a:r>
-              <a:rPr lang="ko-KR" altLang="en-US" dirty="0"/>
-              <a:t>커뮤니티 기능</a:t>
+              <a:rPr lang="ko-KR" altLang="en-US" sz="2000" dirty="0"/>
+              <a:t>로그인 </a:t>
             </a:r>
-            <a:endParaRPr lang="en-US" altLang="ko-KR" dirty="0"/>
+            <a:r>
+              <a:rPr lang="en-US" altLang="ko-KR" sz="2000" dirty="0"/>
+              <a:t>: </a:t>
+            </a:r>
+            <a:r>
+              <a:rPr lang="ko-KR" altLang="en-US" sz="2000" dirty="0"/>
+              <a:t>회원가입</a:t>
+            </a:r>
+            <a:r>
+              <a:rPr lang="en-US" altLang="ko-KR" sz="2000" dirty="0"/>
+              <a:t>, </a:t>
+            </a:r>
+            <a:r>
+              <a:rPr lang="ko-KR" altLang="en-US" sz="2000" dirty="0"/>
+              <a:t>로그인 시에만 게시판 글 작성 가능</a:t>
+            </a:r>
+            <a:endParaRPr lang="en-US" altLang="ko-KR" sz="2000" dirty="0"/>
+          </a:p>
+          <a:p>
+            <a:endParaRPr lang="en-US" altLang="ko-KR" sz="2000" dirty="0"/>
           </a:p>
           <a:p>
             <a:r>
-              <a:rPr lang="ko-KR" altLang="en-US" dirty="0"/>
-              <a:t>지도</a:t>
+              <a:rPr lang="ko-KR" altLang="en-US" sz="2000" dirty="0"/>
+              <a:t>지도 </a:t>
             </a:r>
-            <a:endParaRPr lang="en-US" altLang="ko-KR" dirty="0"/>
+            <a:r>
+              <a:rPr lang="en-US" altLang="ko-KR" sz="2000" dirty="0"/>
+              <a:t>: </a:t>
+            </a:r>
+            <a:r>
+              <a:rPr lang="ko-KR" altLang="en-US" sz="2000" dirty="0"/>
+              <a:t>지도에</a:t>
+            </a:r>
+            <a:r>
+              <a:rPr lang="en-US" altLang="ko-KR" sz="2000" dirty="0"/>
+              <a:t> </a:t>
+            </a:r>
+            <a:r>
+              <a:rPr lang="ko-KR" altLang="en-US" sz="2000" dirty="0"/>
+              <a:t>부산 명소</a:t>
+            </a:r>
+            <a:r>
+              <a:rPr lang="en-US" altLang="ko-KR" sz="2000" dirty="0"/>
+              <a:t>, </a:t>
+            </a:r>
+            <a:r>
+              <a:rPr lang="ko-KR" altLang="en-US" sz="2000" dirty="0"/>
+              <a:t>맛집을 좌표로 표시 </a:t>
+            </a:r>
+            <a:r>
+              <a:rPr lang="en-US" altLang="ko-KR" sz="2000" dirty="0"/>
+              <a:t>, </a:t>
+            </a:r>
+            <a:r>
+              <a:rPr lang="ko-KR" altLang="en-US" sz="2000" dirty="0"/>
+              <a:t>현재 위치에서 부터 자전거 통행로 표시</a:t>
+            </a:r>
+            <a:endParaRPr lang="en-US" altLang="ko-KR" sz="2000" dirty="0"/>
+          </a:p>
+          <a:p>
+            <a:endParaRPr lang="en-US" altLang="ko-KR" sz="2000" dirty="0"/>
           </a:p>
           <a:p>
             <a:r>
-              <a:rPr lang="ko-KR" altLang="en-US" dirty="0"/>
-              <a:t>도표</a:t>
+              <a:rPr lang="ko-KR" altLang="en-US" sz="2000" dirty="0"/>
+              <a:t>게시판 </a:t>
             </a:r>
             <a:r>
-              <a:rPr lang="en-US" altLang="ko-KR" dirty="0"/>
-              <a:t>/</a:t>
+              <a:rPr lang="en-US" altLang="ko-KR" sz="2000" dirty="0"/>
+              <a:t>: </a:t>
             </a:r>
             <a:r>
-              <a:rPr lang="ko-KR" altLang="en-US" dirty="0"/>
-              <a:t>그래프</a:t>
+              <a:rPr lang="ko-KR" altLang="en-US" sz="2000" dirty="0"/>
+              <a:t>명소</a:t>
             </a:r>
+            <a:r>
+              <a:rPr lang="en-US" altLang="ko-KR" sz="2000" dirty="0"/>
+              <a:t>, </a:t>
+            </a:r>
+            <a:r>
+              <a:rPr lang="ko-KR" altLang="en-US" sz="2000" dirty="0"/>
+              <a:t>맛집</a:t>
+            </a:r>
+            <a:r>
+              <a:rPr lang="en-US" altLang="ko-KR" sz="2000" dirty="0"/>
+              <a:t>, </a:t>
+            </a:r>
+            <a:r>
+              <a:rPr lang="ko-KR" altLang="en-US" sz="2000" dirty="0"/>
+              <a:t>통행정보 등을 </a:t>
+            </a:r>
+            <a:r>
+              <a:rPr lang="en-US" altLang="ko-KR" sz="2000" dirty="0"/>
+              <a:t>‘</a:t>
+            </a:r>
+            <a:r>
+              <a:rPr lang="ko-KR" altLang="en-US" sz="2000" dirty="0"/>
+              <a:t>좋아요</a:t>
+            </a:r>
+            <a:r>
+              <a:rPr lang="en-US" altLang="ko-KR" sz="2000" dirty="0"/>
+              <a:t>’</a:t>
+            </a:r>
+            <a:r>
+              <a:rPr lang="ko-KR" altLang="en-US" sz="2000" dirty="0"/>
+              <a:t> 표시</a:t>
+            </a:r>
+            <a:r>
+              <a:rPr lang="en-US" altLang="ko-KR" sz="2000" dirty="0"/>
+              <a:t>, </a:t>
+            </a:r>
+            <a:r>
+              <a:rPr lang="ko-KR" altLang="en-US" sz="2000" dirty="0"/>
+              <a:t>리뷰 기능 </a:t>
+            </a:r>
+            <a:r>
+              <a:rPr lang="en-US" altLang="ko-KR" sz="2000" dirty="0"/>
+              <a:t>– </a:t>
+            </a:r>
+            <a:r>
+              <a:rPr lang="ko-KR" altLang="en-US" sz="2000" dirty="0"/>
+              <a:t>로그인 시에만 가능</a:t>
+            </a:r>
+            <a:endParaRPr lang="en-US" altLang="ko-KR" sz="2000" dirty="0"/>
+          </a:p>
+          <a:p>
+            <a:endParaRPr lang="en-US" altLang="ko-KR" sz="2000" dirty="0"/>
+          </a:p>
+          <a:p>
+            <a:r>
+              <a:rPr lang="ko-KR" altLang="en-US" sz="2000" dirty="0"/>
+              <a:t>검색 </a:t>
+            </a:r>
+            <a:r>
+              <a:rPr lang="en-US" altLang="ko-KR" sz="2000" dirty="0"/>
+              <a:t>: </a:t>
+            </a:r>
+            <a:r>
+              <a:rPr lang="ko-KR" altLang="en-US" sz="2000" dirty="0"/>
+              <a:t>가고 싶은 명소나 맛집 검색 기능 </a:t>
+            </a:r>
+            <a:r>
+              <a:rPr lang="en-US" altLang="ko-KR" sz="2000" dirty="0"/>
+              <a:t>– </a:t>
+            </a:r>
+            <a:r>
+              <a:rPr lang="ko-KR" altLang="en-US" sz="2000" dirty="0"/>
+              <a:t>검색 시 지도에 표시</a:t>
+            </a:r>
+            <a:r>
+              <a:rPr lang="en-US" altLang="ko-KR" sz="2000" dirty="0"/>
+              <a:t>, </a:t>
+            </a:r>
+            <a:r>
+              <a:rPr lang="ko-KR" altLang="en-US" sz="2000" dirty="0"/>
+              <a:t>정보 제공</a:t>
+            </a:r>
+            <a:endParaRPr lang="en-US" altLang="ko-KR" sz="2000" dirty="0"/>
+          </a:p>
+          <a:p>
+            <a:endParaRPr lang="en-US" altLang="ko-KR" sz="2000" dirty="0"/>
+          </a:p>
+          <a:p>
+            <a:endParaRPr lang="ko-KR" altLang="en-US" sz="2000" dirty="0"/>
           </a:p>
         </p:txBody>
       </p:sp>

--- a/빅데이터프로젝트계획서.pptx
+++ b/빅데이터프로젝트계획서.pptx
@@ -5746,49 +5746,7 @@
             </a:r>
             <a:r>
               <a:rPr lang="ko-KR" altLang="en-US" sz="2000" dirty="0"/>
-              <a:t>로그인 시에만 게시판 글 작성 가능</a:t>
-            </a:r>
-            <a:endParaRPr lang="en-US" altLang="ko-KR" sz="2000" dirty="0"/>
-          </a:p>
-          <a:p>
-            <a:endParaRPr lang="en-US" altLang="ko-KR" sz="2000" dirty="0"/>
-          </a:p>
-          <a:p>
-            <a:r>
-              <a:rPr lang="ko-KR" altLang="en-US" sz="2000" dirty="0"/>
-              <a:t>지도 </a:t>
-            </a:r>
-            <a:r>
-              <a:rPr lang="en-US" altLang="ko-KR" sz="2000" dirty="0"/>
-              <a:t>: </a:t>
-            </a:r>
-            <a:r>
-              <a:rPr lang="ko-KR" altLang="en-US" sz="2000" dirty="0"/>
-              <a:t>지도에</a:t>
-            </a:r>
-            <a:r>
-              <a:rPr lang="en-US" altLang="ko-KR" sz="2000" dirty="0"/>
-              <a:t> </a:t>
-            </a:r>
-            <a:r>
-              <a:rPr lang="ko-KR" altLang="en-US" sz="2000" dirty="0"/>
-              <a:t>부산 명소</a:t>
-            </a:r>
-            <a:r>
-              <a:rPr lang="en-US" altLang="ko-KR" sz="2000" dirty="0"/>
-              <a:t>, </a:t>
-            </a:r>
-            <a:r>
-              <a:rPr lang="ko-KR" altLang="en-US" sz="2000" dirty="0"/>
-              <a:t>맛집을 좌표로 표시 </a:t>
-            </a:r>
-            <a:r>
-              <a:rPr lang="en-US" altLang="ko-KR" sz="2000" dirty="0"/>
-              <a:t>, </a:t>
-            </a:r>
-            <a:r>
-              <a:rPr lang="ko-KR" altLang="en-US" sz="2000" dirty="0"/>
-              <a:t>현재 위치에서 부터 자전거 통행로 표시</a:t>
+              <a:t>로그인 시에만 게시판 시용 가능</a:t>
             </a:r>
             <a:endParaRPr lang="en-US" altLang="ko-KR" sz="2000" dirty="0"/>
           </a:p>
@@ -5859,6 +5817,54 @@
             <a:endParaRPr lang="en-US" altLang="ko-KR" sz="2000" dirty="0"/>
           </a:p>
           <a:p>
+            <a:pPr marL="0" indent="0">
+              <a:buNone/>
+            </a:pPr>
+            <a:endParaRPr lang="en-US" altLang="ko-KR" sz="2000" dirty="0"/>
+          </a:p>
+          <a:p>
+            <a:r>
+              <a:rPr lang="ko-KR" altLang="en-US" sz="2000" dirty="0"/>
+              <a:t>지도 </a:t>
+            </a:r>
+            <a:r>
+              <a:rPr lang="en-US" altLang="ko-KR" sz="2000" dirty="0"/>
+              <a:t>: </a:t>
+            </a:r>
+            <a:r>
+              <a:rPr lang="ko-KR" altLang="en-US" sz="2000" dirty="0"/>
+              <a:t>지도에</a:t>
+            </a:r>
+            <a:r>
+              <a:rPr lang="en-US" altLang="ko-KR" sz="2000" dirty="0"/>
+              <a:t> </a:t>
+            </a:r>
+            <a:r>
+              <a:rPr lang="ko-KR" altLang="en-US" sz="2000" dirty="0"/>
+              <a:t>부산 명소</a:t>
+            </a:r>
+            <a:r>
+              <a:rPr lang="en-US" altLang="ko-KR" sz="2000" dirty="0"/>
+              <a:t>, </a:t>
+            </a:r>
+            <a:r>
+              <a:rPr lang="ko-KR" altLang="en-US" sz="2000" dirty="0"/>
+              <a:t>맛집을 좌표로 표시 </a:t>
+            </a:r>
+            <a:r>
+              <a:rPr lang="en-US" altLang="ko-KR" sz="2000" dirty="0"/>
+              <a:t>, </a:t>
+            </a:r>
+            <a:r>
+              <a:rPr lang="ko-KR" altLang="en-US" sz="2000" dirty="0"/>
+              <a:t>현재 위치에서 부터 자전거 통행로 표시</a:t>
+            </a:r>
+            <a:endParaRPr lang="en-US" altLang="ko-KR" sz="2000" dirty="0"/>
+          </a:p>
+          <a:p>
+            <a:pPr marL="0" indent="0">
+              <a:buNone/>
+            </a:pPr>
             <a:endParaRPr lang="en-US" altLang="ko-KR" sz="2000" dirty="0"/>
           </a:p>
           <a:p>
